--- a/Apresentação/ALPRIME.pptx
+++ b/Apresentação/ALPRIME.pptx
@@ -7546,8 +7546,8 @@
         </p:blipFill>
         <p:spPr>
           <a:xfrm>
-            <a:off x="3167270" y="1179355"/>
-            <a:ext cx="8401878" cy="4886482"/>
+            <a:off x="2372139" y="573413"/>
+            <a:ext cx="9819861" cy="5711172"/>
           </a:xfrm>
         </p:spPr>
       </p:pic>
